--- a/src/main/resources/Documentation/UserDocs/app/Context-Based Test Execution.pptx
+++ b/src/main/resources/Documentation/UserDocs/app/Context-Based Test Execution.pptx
@@ -147,244 +147,44 @@
 </p:cmAuthorLst>
 </file>
 
+<file path=ppt/revisionInfo.xml><?xml version="1.0" encoding="utf-8"?>
+<p1510:revInfo xmlns:a="http://schemas.openxmlformats.org/drawingml/2006/main" xmlns:r="http://schemas.openxmlformats.org/officeDocument/2006/relationships" xmlns:p1510="http://schemas.microsoft.com/office/powerpoint/2015/10/main">
+  <p1510:revLst>
+    <p1510:client id="{AB047648-4DA8-4C3E-8996-FEEC97DA8E15}" v="2" dt="2019-04-10T19:33:09.793"/>
+  </p1510:revLst>
+</p1510:revInfo>
+</file>
+
 <file path=ppt/changesInfos/changesInfo1.xml><?xml version="1.0" encoding="utf-8"?>
 <pc:chgInfo xmlns:a="http://schemas.openxmlformats.org/drawingml/2006/main" xmlns:r="http://schemas.openxmlformats.org/officeDocument/2006/relationships" xmlns:ac="http://schemas.microsoft.com/office/drawing/2013/main/command" xmlns:pc="http://schemas.microsoft.com/office/powerpoint/2013/main/command">
   <pc:docChgLst>
-    <pc:chgData name="Martinez, Sandra (Fed)" userId="a803850f-d246-4701-851d-cf6e46ff4720" providerId="ADAL" clId="{FF01588B-5740-43CE-9995-C6D69D14E400}"/>
-    <pc:docChg chg="undo modSld">
-      <pc:chgData name="Martinez, Sandra (Fed)" userId="a803850f-d246-4701-851d-cf6e46ff4720" providerId="ADAL" clId="{FF01588B-5740-43CE-9995-C6D69D14E400}" dt="2018-08-03T19:55:17.724" v="126" actId="14100"/>
+    <pc:chgData name="Martinez, Sandra (Fed)" userId="4d3d0ce3547d3a6e" providerId="OrgId" clId="{AB047648-4DA8-4C3E-8996-FEEC97DA8E15}"/>
+    <pc:docChg chg="modSld">
+      <pc:chgData name="Martinez, Sandra (Fed)" userId="4d3d0ce3547d3a6e" providerId="OrgId" clId="{AB047648-4DA8-4C3E-8996-FEEC97DA8E15}" dt="2019-04-10T19:33:09.793" v="1" actId="20577"/>
       <pc:docMkLst>
         <pc:docMk/>
       </pc:docMkLst>
-      <pc:sldChg chg="addSp modSp">
-        <pc:chgData name="Martinez, Sandra (Fed)" userId="a803850f-d246-4701-851d-cf6e46ff4720" providerId="ADAL" clId="{FF01588B-5740-43CE-9995-C6D69D14E400}" dt="2018-08-03T19:49:13.480" v="67" actId="255"/>
+      <pc:sldChg chg="modNotesTx">
+        <pc:chgData name="Martinez, Sandra (Fed)" userId="4d3d0ce3547d3a6e" providerId="OrgId" clId="{AB047648-4DA8-4C3E-8996-FEEC97DA8E15}" dt="2019-04-10T19:32:52.885" v="0" actId="20577"/>
         <pc:sldMkLst>
           <pc:docMk/>
           <pc:sldMk cId="3496456500" sldId="296"/>
         </pc:sldMkLst>
-        <pc:spChg chg="mod">
-          <ac:chgData name="Martinez, Sandra (Fed)" userId="a803850f-d246-4701-851d-cf6e46ff4720" providerId="ADAL" clId="{FF01588B-5740-43CE-9995-C6D69D14E400}" dt="2018-08-03T19:49:13.480" v="67" actId="255"/>
-          <ac:spMkLst>
-            <pc:docMk/>
-            <pc:sldMk cId="3496456500" sldId="296"/>
-            <ac:spMk id="5" creationId="{89B38C27-7B5A-443B-9487-5F9EF611B2E8}"/>
-          </ac:spMkLst>
-        </pc:spChg>
-        <pc:spChg chg="mod">
-          <ac:chgData name="Martinez, Sandra (Fed)" userId="a803850f-d246-4701-851d-cf6e46ff4720" providerId="ADAL" clId="{FF01588B-5740-43CE-9995-C6D69D14E400}" dt="2018-08-03T19:47:02.986" v="38" actId="1076"/>
-          <ac:spMkLst>
-            <pc:docMk/>
-            <pc:sldMk cId="3496456500" sldId="296"/>
-            <ac:spMk id="37" creationId="{A31C712C-AE72-47E8-836D-853EAC9F1A1A}"/>
-          </ac:spMkLst>
-        </pc:spChg>
-        <pc:spChg chg="add mod">
-          <ac:chgData name="Martinez, Sandra (Fed)" userId="a803850f-d246-4701-851d-cf6e46ff4720" providerId="ADAL" clId="{FF01588B-5740-43CE-9995-C6D69D14E400}" dt="2018-08-03T19:46:08.539" v="29" actId="1076"/>
-          <ac:spMkLst>
-            <pc:docMk/>
-            <pc:sldMk cId="3496456500" sldId="296"/>
-            <ac:spMk id="52" creationId="{0C691652-5935-480A-82A8-09569E281B2E}"/>
-          </ac:spMkLst>
-        </pc:spChg>
-        <pc:grpChg chg="mod">
-          <ac:chgData name="Martinez, Sandra (Fed)" userId="a803850f-d246-4701-851d-cf6e46ff4720" providerId="ADAL" clId="{FF01588B-5740-43CE-9995-C6D69D14E400}" dt="2018-08-03T19:45:54.194" v="26" actId="1076"/>
-          <ac:grpSpMkLst>
-            <pc:docMk/>
-            <pc:sldMk cId="3496456500" sldId="296"/>
-            <ac:grpSpMk id="5129" creationId="{CA118C9E-5353-412A-B1A9-40FA22D7566E}"/>
-          </ac:grpSpMkLst>
-        </pc:grpChg>
-        <pc:cxnChg chg="add mod">
-          <ac:chgData name="Martinez, Sandra (Fed)" userId="a803850f-d246-4701-851d-cf6e46ff4720" providerId="ADAL" clId="{FF01588B-5740-43CE-9995-C6D69D14E400}" dt="2018-08-03T19:46:11.217" v="30" actId="1076"/>
-          <ac:cxnSpMkLst>
-            <pc:docMk/>
-            <pc:sldMk cId="3496456500" sldId="296"/>
-            <ac:cxnSpMk id="53" creationId="{40EFEB26-5E70-4400-90A3-A4CE019D6BAD}"/>
-          </ac:cxnSpMkLst>
-        </pc:cxnChg>
-        <pc:cxnChg chg="add mod">
-          <ac:chgData name="Martinez, Sandra (Fed)" userId="a803850f-d246-4701-851d-cf6e46ff4720" providerId="ADAL" clId="{FF01588B-5740-43CE-9995-C6D69D14E400}" dt="2018-08-03T19:46:46.962" v="36" actId="14100"/>
-          <ac:cxnSpMkLst>
-            <pc:docMk/>
-            <pc:sldMk cId="3496456500" sldId="296"/>
-            <ac:cxnSpMk id="54" creationId="{CEC1705B-D4B4-4056-B681-AD43085A2FBB}"/>
-          </ac:cxnSpMkLst>
-        </pc:cxnChg>
-        <pc:cxnChg chg="mod">
-          <ac:chgData name="Martinez, Sandra (Fed)" userId="a803850f-d246-4701-851d-cf6e46ff4720" providerId="ADAL" clId="{FF01588B-5740-43CE-9995-C6D69D14E400}" dt="2018-08-03T19:46:57.820" v="37" actId="14100"/>
-          <ac:cxnSpMkLst>
-            <pc:docMk/>
-            <pc:sldMk cId="3496456500" sldId="296"/>
-            <ac:cxnSpMk id="5142" creationId="{2420ACFF-AD42-42B2-ADD8-9E0B193E7058}"/>
-          </ac:cxnSpMkLst>
-        </pc:cxnChg>
       </pc:sldChg>
-      <pc:sldChg chg="addSp modSp">
-        <pc:chgData name="Martinez, Sandra (Fed)" userId="a803850f-d246-4701-851d-cf6e46ff4720" providerId="ADAL" clId="{FF01588B-5740-43CE-9995-C6D69D14E400}" dt="2018-08-03T19:52:42.101" v="93" actId="20577"/>
+      <pc:sldChg chg="modNotesTx">
+        <pc:chgData name="Martinez, Sandra (Fed)" userId="4d3d0ce3547d3a6e" providerId="OrgId" clId="{AB047648-4DA8-4C3E-8996-FEEC97DA8E15}" dt="2019-04-10T19:33:09.793" v="1" actId="20577"/>
         <pc:sldMkLst>
           <pc:docMk/>
           <pc:sldMk cId="3384724824" sldId="297"/>
         </pc:sldMkLst>
-        <pc:spChg chg="mod">
-          <ac:chgData name="Martinez, Sandra (Fed)" userId="a803850f-d246-4701-851d-cf6e46ff4720" providerId="ADAL" clId="{FF01588B-5740-43CE-9995-C6D69D14E400}" dt="2018-08-03T19:51:11.514" v="77" actId="14100"/>
-          <ac:spMkLst>
-            <pc:docMk/>
-            <pc:sldMk cId="3384724824" sldId="297"/>
-            <ac:spMk id="5" creationId="{89B38C27-7B5A-443B-9487-5F9EF611B2E8}"/>
-          </ac:spMkLst>
-        </pc:spChg>
-        <pc:spChg chg="mod">
-          <ac:chgData name="Martinez, Sandra (Fed)" userId="a803850f-d246-4701-851d-cf6e46ff4720" providerId="ADAL" clId="{FF01588B-5740-43CE-9995-C6D69D14E400}" dt="2018-08-03T19:52:30.142" v="86" actId="20577"/>
-          <ac:spMkLst>
-            <pc:docMk/>
-            <pc:sldMk cId="3384724824" sldId="297"/>
-            <ac:spMk id="23" creationId="{ECA2D557-35FE-4C90-BB3B-A8505C885C53}"/>
-          </ac:spMkLst>
-        </pc:spChg>
-        <pc:spChg chg="mod">
-          <ac:chgData name="Martinez, Sandra (Fed)" userId="a803850f-d246-4701-851d-cf6e46ff4720" providerId="ADAL" clId="{FF01588B-5740-43CE-9995-C6D69D14E400}" dt="2018-08-03T19:52:33.892" v="88" actId="20577"/>
-          <ac:spMkLst>
-            <pc:docMk/>
-            <pc:sldMk cId="3384724824" sldId="297"/>
-            <ac:spMk id="30" creationId="{D337B349-0EF5-4809-A881-C2EFD87865A6}"/>
-          </ac:spMkLst>
-        </pc:spChg>
-        <pc:spChg chg="mod">
-          <ac:chgData name="Martinez, Sandra (Fed)" userId="a803850f-d246-4701-851d-cf6e46ff4720" providerId="ADAL" clId="{FF01588B-5740-43CE-9995-C6D69D14E400}" dt="2018-08-03T19:52:42.101" v="93" actId="20577"/>
-          <ac:spMkLst>
-            <pc:docMk/>
-            <pc:sldMk cId="3384724824" sldId="297"/>
-            <ac:spMk id="39" creationId="{A5C46906-D3F1-467D-8B14-138F80149141}"/>
-          </ac:spMkLst>
-        </pc:spChg>
-        <pc:spChg chg="mod">
-          <ac:chgData name="Martinez, Sandra (Fed)" userId="a803850f-d246-4701-851d-cf6e46ff4720" providerId="ADAL" clId="{FF01588B-5740-43CE-9995-C6D69D14E400}" dt="2018-08-03T19:52:38.548" v="90" actId="20577"/>
-          <ac:spMkLst>
-            <pc:docMk/>
-            <pc:sldMk cId="3384724824" sldId="297"/>
-            <ac:spMk id="45" creationId="{A64AE839-B942-41A5-8E8D-BF224FFC02F2}"/>
-          </ac:spMkLst>
-        </pc:spChg>
-        <pc:cxnChg chg="add mod">
-          <ac:chgData name="Martinez, Sandra (Fed)" userId="a803850f-d246-4701-851d-cf6e46ff4720" providerId="ADAL" clId="{FF01588B-5740-43CE-9995-C6D69D14E400}" dt="2018-08-03T19:51:33.772" v="81" actId="14100"/>
-          <ac:cxnSpMkLst>
-            <pc:docMk/>
-            <pc:sldMk cId="3384724824" sldId="297"/>
-            <ac:cxnSpMk id="40" creationId="{83BF575B-6EFA-47DA-9A71-3355E5EEEFD1}"/>
-          </ac:cxnSpMkLst>
-        </pc:cxnChg>
-      </pc:sldChg>
-      <pc:sldChg chg="addSp modSp">
-        <pc:chgData name="Martinez, Sandra (Fed)" userId="a803850f-d246-4701-851d-cf6e46ff4720" providerId="ADAL" clId="{FF01588B-5740-43CE-9995-C6D69D14E400}" dt="2018-08-03T19:54:56.676" v="123" actId="14100"/>
-        <pc:sldMkLst>
-          <pc:docMk/>
-          <pc:sldMk cId="1254000289" sldId="298"/>
-        </pc:sldMkLst>
-        <pc:spChg chg="mod">
-          <ac:chgData name="Martinez, Sandra (Fed)" userId="a803850f-d246-4701-851d-cf6e46ff4720" providerId="ADAL" clId="{FF01588B-5740-43CE-9995-C6D69D14E400}" dt="2018-08-03T19:52:56.395" v="99" actId="14100"/>
-          <ac:spMkLst>
-            <pc:docMk/>
-            <pc:sldMk cId="1254000289" sldId="298"/>
-            <ac:spMk id="5" creationId="{89B38C27-7B5A-443B-9487-5F9EF611B2E8}"/>
-          </ac:spMkLst>
-        </pc:spChg>
-        <pc:spChg chg="add mod">
-          <ac:chgData name="Martinez, Sandra (Fed)" userId="a803850f-d246-4701-851d-cf6e46ff4720" providerId="ADAL" clId="{FF01588B-5740-43CE-9995-C6D69D14E400}" dt="2018-08-03T19:54:47.194" v="121" actId="1076"/>
-          <ac:spMkLst>
-            <pc:docMk/>
-            <pc:sldMk cId="1254000289" sldId="298"/>
-            <ac:spMk id="30" creationId="{F0007AD3-D8B2-46D6-9738-B2EABAD98D9C}"/>
-          </ac:spMkLst>
-        </pc:spChg>
-        <pc:cxnChg chg="add mod">
-          <ac:chgData name="Martinez, Sandra (Fed)" userId="a803850f-d246-4701-851d-cf6e46ff4720" providerId="ADAL" clId="{FF01588B-5740-43CE-9995-C6D69D14E400}" dt="2018-08-03T19:54:47.194" v="121" actId="1076"/>
-          <ac:cxnSpMkLst>
-            <pc:docMk/>
-            <pc:sldMk cId="1254000289" sldId="298"/>
-            <ac:cxnSpMk id="31" creationId="{A4DA3DEE-4DEC-4DB8-AFF8-453FC64197E7}"/>
-          </ac:cxnSpMkLst>
-        </pc:cxnChg>
-        <pc:cxnChg chg="add mod">
-          <ac:chgData name="Martinez, Sandra (Fed)" userId="a803850f-d246-4701-851d-cf6e46ff4720" providerId="ADAL" clId="{FF01588B-5740-43CE-9995-C6D69D14E400}" dt="2018-08-03T19:54:56.676" v="123" actId="14100"/>
-          <ac:cxnSpMkLst>
-            <pc:docMk/>
-            <pc:sldMk cId="1254000289" sldId="298"/>
-            <ac:cxnSpMk id="32" creationId="{34174A5A-E289-47DE-B813-F6F97BC08DDB}"/>
-          </ac:cxnSpMkLst>
-        </pc:cxnChg>
-      </pc:sldChg>
-      <pc:sldChg chg="addSp modSp">
-        <pc:chgData name="Martinez, Sandra (Fed)" userId="a803850f-d246-4701-851d-cf6e46ff4720" providerId="ADAL" clId="{FF01588B-5740-43CE-9995-C6D69D14E400}" dt="2018-08-03T19:55:17.724" v="126" actId="14100"/>
-        <pc:sldMkLst>
-          <pc:docMk/>
-          <pc:sldMk cId="3088335660" sldId="299"/>
-        </pc:sldMkLst>
-        <pc:spChg chg="mod">
-          <ac:chgData name="Martinez, Sandra (Fed)" userId="a803850f-d246-4701-851d-cf6e46ff4720" providerId="ADAL" clId="{FF01588B-5740-43CE-9995-C6D69D14E400}" dt="2018-08-03T19:53:40.699" v="107" actId="20577"/>
-          <ac:spMkLst>
-            <pc:docMk/>
-            <pc:sldMk cId="3088335660" sldId="299"/>
-            <ac:spMk id="5" creationId="{89B38C27-7B5A-443B-9487-5F9EF611B2E8}"/>
-          </ac:spMkLst>
-        </pc:spChg>
-        <pc:spChg chg="mod">
-          <ac:chgData name="Martinez, Sandra (Fed)" userId="a803850f-d246-4701-851d-cf6e46ff4720" providerId="ADAL" clId="{FF01588B-5740-43CE-9995-C6D69D14E400}" dt="2018-08-03T19:54:00.584" v="113" actId="20577"/>
-          <ac:spMkLst>
-            <pc:docMk/>
-            <pc:sldMk cId="3088335660" sldId="299"/>
-            <ac:spMk id="30" creationId="{D337B349-0EF5-4809-A881-C2EFD87865A6}"/>
-          </ac:spMkLst>
-        </pc:spChg>
-        <pc:spChg chg="mod">
-          <ac:chgData name="Martinez, Sandra (Fed)" userId="a803850f-d246-4701-851d-cf6e46ff4720" providerId="ADAL" clId="{FF01588B-5740-43CE-9995-C6D69D14E400}" dt="2018-08-03T19:54:09.321" v="118" actId="20577"/>
-          <ac:spMkLst>
-            <pc:docMk/>
-            <pc:sldMk cId="3088335660" sldId="299"/>
-            <ac:spMk id="54" creationId="{A2E038A5-040D-467D-B9D9-21E8D9F0E86D}"/>
-          </ac:spMkLst>
-        </pc:spChg>
-        <pc:spChg chg="mod">
-          <ac:chgData name="Martinez, Sandra (Fed)" userId="a803850f-d246-4701-851d-cf6e46ff4720" providerId="ADAL" clId="{FF01588B-5740-43CE-9995-C6D69D14E400}" dt="2018-08-03T19:53:56.618" v="111" actId="20577"/>
-          <ac:spMkLst>
-            <pc:docMk/>
-            <pc:sldMk cId="3088335660" sldId="299"/>
-            <ac:spMk id="65" creationId="{DDBDC111-CE56-45EF-A662-DADC72FF515B}"/>
-          </ac:spMkLst>
-        </pc:spChg>
-        <pc:spChg chg="mod">
-          <ac:chgData name="Martinez, Sandra (Fed)" userId="a803850f-d246-4701-851d-cf6e46ff4720" providerId="ADAL" clId="{FF01588B-5740-43CE-9995-C6D69D14E400}" dt="2018-08-03T19:53:51.888" v="109" actId="20577"/>
-          <ac:spMkLst>
-            <pc:docMk/>
-            <pc:sldMk cId="3088335660" sldId="299"/>
-            <ac:spMk id="67" creationId="{90764184-A61F-4583-836A-CE12FB0B092C}"/>
-          </ac:spMkLst>
-        </pc:spChg>
-        <pc:spChg chg="mod">
-          <ac:chgData name="Martinez, Sandra (Fed)" userId="a803850f-d246-4701-851d-cf6e46ff4720" providerId="ADAL" clId="{FF01588B-5740-43CE-9995-C6D69D14E400}" dt="2018-08-03T19:54:05.684" v="115" actId="20577"/>
-          <ac:spMkLst>
-            <pc:docMk/>
-            <pc:sldMk cId="3088335660" sldId="299"/>
-            <ac:spMk id="77" creationId="{812498EA-D68D-4551-AAB2-22AA4186F1A0}"/>
-          </ac:spMkLst>
-        </pc:spChg>
-        <pc:grpChg chg="mod">
-          <ac:chgData name="Martinez, Sandra (Fed)" userId="a803850f-d246-4701-851d-cf6e46ff4720" providerId="ADAL" clId="{FF01588B-5740-43CE-9995-C6D69D14E400}" dt="2018-08-03T19:53:13.861" v="102" actId="1076"/>
-          <ac:grpSpMkLst>
-            <pc:docMk/>
-            <pc:sldMk cId="3088335660" sldId="299"/>
-            <ac:grpSpMk id="5127" creationId="{F81EF0D3-5256-4CF1-AD35-7EA53B07D334}"/>
-          </ac:grpSpMkLst>
-        </pc:grpChg>
-        <pc:cxnChg chg="add mod">
-          <ac:chgData name="Martinez, Sandra (Fed)" userId="a803850f-d246-4701-851d-cf6e46ff4720" providerId="ADAL" clId="{FF01588B-5740-43CE-9995-C6D69D14E400}" dt="2018-08-03T19:55:17.724" v="126" actId="14100"/>
-          <ac:cxnSpMkLst>
-            <pc:docMk/>
-            <pc:sldMk cId="3088335660" sldId="299"/>
-            <ac:cxnSpMk id="42" creationId="{32DB6080-8D4E-4DA2-A902-8269000ECA48}"/>
-          </ac:cxnSpMkLst>
-        </pc:cxnChg>
       </pc:sldChg>
     </pc:docChg>
+  </pc:docChgLst>
+  <pc:docChgLst>
+    <pc:chgData name="Martinez, Sandra (Fed)" userId="a803850f-d246-4701-851d-cf6e46ff4720" providerId="ADAL" clId="{FF01588B-5740-43CE-9995-C6D69D14E400}"/>
+  </pc:docChgLst>
+  <pc:docChgLst>
+    <pc:chgData name="Martinez, Sandra (Fed)" userId="a803850f-d246-4701-851d-cf6e46ff4720" providerId="ADAL" clId="{0032F75A-EBA3-4E77-8310-BBE68ABCF920}"/>
   </pc:docChgLst>
 </pc:chgInfo>
 </file>
@@ -471,7 +271,7 @@
           <a:p>
             <a:fld id="{9D756F37-617F-4B1C-BED3-CE7228747FF6}" type="datetimeFigureOut">
               <a:rPr lang="en-US" smtClean="0"/>
-              <a:t>8/6/18</a:t>
+              <a:t>4/10/2019</a:t>
             </a:fld>
             <a:endParaRPr lang="en-US" dirty="0"/>
           </a:p>
@@ -797,179 +597,11 @@
             <a:pPr>
               <a:defRPr/>
             </a:pPr>
-            <a:r>
-              <a:rPr lang="en-US" altLang="en-US" sz="1100" b="1" dirty="0">
-                <a:solidFill>
-                  <a:srgbClr val="000000"/>
-                </a:solidFill>
-              </a:rPr>
-              <a:t>Script: </a:t>
-            </a:r>
-            <a:r>
-              <a:rPr lang="en-US" altLang="en-US" sz="1100" dirty="0">
-                <a:solidFill>
-                  <a:srgbClr val="000000"/>
-                </a:solidFill>
-              </a:rPr>
-              <a:t>To use the  </a:t>
-            </a:r>
-            <a:r>
-              <a:rPr lang="en-US" altLang="en-US" sz="1100" b="1" dirty="0">
-                <a:solidFill>
-                  <a:srgbClr val="000000"/>
-                </a:solidFill>
-              </a:rPr>
-              <a:t>Context-based</a:t>
-            </a:r>
-            <a:r>
-              <a:rPr lang="en-US" altLang="en-US" sz="1100" dirty="0">
-                <a:solidFill>
-                  <a:srgbClr val="000000"/>
-                </a:solidFill>
-              </a:rPr>
-              <a:t> type testing in GVT, the user must select </a:t>
-            </a:r>
-            <a:r>
-              <a:rPr lang="en-US" altLang="en-US" sz="1100" b="1" dirty="0">
-                <a:solidFill>
-                  <a:srgbClr val="000000"/>
-                </a:solidFill>
-              </a:rPr>
-              <a:t>Context-based</a:t>
-            </a:r>
-            <a:r>
-              <a:rPr lang="en-US" altLang="en-US" sz="1100" dirty="0">
-                <a:solidFill>
-                  <a:srgbClr val="000000"/>
-                </a:solidFill>
-              </a:rPr>
-              <a:t> from the menu bar. The tool will activate the </a:t>
-            </a:r>
-            <a:r>
-              <a:rPr lang="en-US" altLang="en-US" sz="1100" b="1" dirty="0">
-                <a:solidFill>
-                  <a:srgbClr val="000000"/>
-                </a:solidFill>
-              </a:rPr>
-              <a:t>Test Selection</a:t>
-            </a:r>
-            <a:r>
-              <a:rPr lang="en-US" altLang="en-US" sz="1100" dirty="0">
-                <a:solidFill>
-                  <a:srgbClr val="000000"/>
-                </a:solidFill>
-              </a:rPr>
-              <a:t>  panel and a test step must be selected from the </a:t>
-            </a:r>
-            <a:r>
-              <a:rPr lang="en-US" altLang="en-US" sz="1100" b="1" dirty="0">
-                <a:solidFill>
-                  <a:srgbClr val="000000"/>
-                </a:solidFill>
-              </a:rPr>
-              <a:t>Test Cases </a:t>
-            </a:r>
-            <a:r>
-              <a:rPr lang="en-US" altLang="en-US" sz="1100" dirty="0">
-                <a:solidFill>
-                  <a:srgbClr val="000000"/>
-                </a:solidFill>
-              </a:rPr>
-              <a:t>drop down list. When a test step is selected the tool displays the </a:t>
-            </a:r>
-            <a:r>
-              <a:rPr lang="en-US" altLang="en-US" sz="1100" b="1" dirty="0">
-                <a:solidFill>
-                  <a:srgbClr val="000000"/>
-                </a:solidFill>
-              </a:rPr>
-              <a:t>Test Story </a:t>
-            </a:r>
-            <a:r>
-              <a:rPr lang="en-US" altLang="en-US" sz="1100" dirty="0">
-                <a:solidFill>
-                  <a:srgbClr val="000000"/>
-                </a:solidFill>
-              </a:rPr>
-              <a:t>on the right panel. The Test Story provides a use case scenario for the test case. The test story includes additional information such as </a:t>
-            </a:r>
-            <a:r>
-              <a:rPr lang="en-US" altLang="ja-JP" sz="1100" b="1" i="1" dirty="0"/>
-              <a:t>Comments, Pre-condition, Post-condition, Test Objectives, Evaluation Criteria, and Notes to Tester</a:t>
-            </a:r>
-            <a:r>
-              <a:rPr lang="en-US" altLang="ja-JP" sz="1100" i="1" dirty="0"/>
-              <a:t>. </a:t>
-            </a:r>
-            <a:r>
-              <a:rPr lang="en-US" altLang="ja-JP" sz="1100" dirty="0"/>
-              <a:t>This information can be accessed by scrolling down or by selecting from the Test Story tabs. In this screen the user is also provided access to the test step </a:t>
-            </a:r>
-            <a:r>
-              <a:rPr lang="en-US" altLang="ja-JP" sz="1100" b="1" dirty="0"/>
-              <a:t>Test Data Specification, Message Content and an Example message</a:t>
-            </a:r>
-            <a:r>
-              <a:rPr lang="en-US" altLang="ja-JP" sz="1100" dirty="0"/>
-              <a:t>. </a:t>
-            </a:r>
-          </a:p>
-          <a:p>
-            <a:pPr marL="290463" indent="-290463">
-              <a:buFont typeface="Arial" panose="020B0604020202020204" pitchFamily="34" charset="0"/>
-              <a:buChar char="•"/>
-              <a:defRPr/>
-            </a:pPr>
-            <a:r>
-              <a:rPr lang="en-US" altLang="ja-JP" sz="1100" i="1" dirty="0"/>
-              <a:t>The TDS provides the data associated with the test story and consists of information that is typically available in a clinical setting.  </a:t>
-            </a:r>
-          </a:p>
-          <a:p>
-            <a:pPr marL="290463" indent="-290463">
-              <a:buFont typeface="Arial" panose="020B0604020202020204" pitchFamily="34" charset="0"/>
-              <a:buChar char="•"/>
-              <a:defRPr/>
-            </a:pPr>
-            <a:r>
-              <a:rPr lang="en-US" altLang="en-US" sz="1100" i="1" dirty="0">
-                <a:solidFill>
-                  <a:srgbClr val="000000"/>
-                </a:solidFill>
-              </a:rPr>
-              <a:t>The Message Content is another artifact that shows the HL7 message elements and the data associated with  the message elements for a given test case. It can be used to assist the Tester in loading the SUT with the Test case specific data.</a:t>
-            </a:r>
-          </a:p>
-          <a:p>
-            <a:pPr>
-              <a:buFont typeface="Arial" panose="020B0604020202020204" pitchFamily="34" charset="0"/>
-              <a:buNone/>
-              <a:defRPr/>
-            </a:pPr>
-            <a:r>
-              <a:rPr lang="en-US" altLang="en-US" sz="1100" dirty="0">
-                <a:solidFill>
-                  <a:srgbClr val="000000"/>
-                </a:solidFill>
-              </a:rPr>
-              <a:t>Click the </a:t>
-            </a:r>
-            <a:r>
-              <a:rPr lang="en-US" altLang="en-US" sz="1100" b="1" dirty="0">
-                <a:solidFill>
-                  <a:srgbClr val="000000"/>
-                </a:solidFill>
-              </a:rPr>
-              <a:t>Load Test Step </a:t>
-            </a:r>
-            <a:r>
-              <a:rPr lang="en-US" altLang="en-US" sz="1100" dirty="0">
-                <a:solidFill>
-                  <a:srgbClr val="000000"/>
-                </a:solidFill>
-              </a:rPr>
-              <a:t>tab to  load the test step for execution.</a:t>
-            </a:r>
+            <a:endParaRPr lang="en-US" altLang="en-US" sz="1100" dirty="0">
+              <a:solidFill>
+                <a:srgbClr val="000000"/>
+              </a:solidFill>
+            </a:endParaRPr>
           </a:p>
         </p:txBody>
       </p:sp>
@@ -1202,191 +834,6 @@
         <p:txBody>
           <a:bodyPr/>
           <a:lstStyle/>
-          <a:p>
-            <a:pPr>
-              <a:defRPr/>
-            </a:pPr>
-            <a:r>
-              <a:rPr lang="en-US" altLang="en-US" b="1" dirty="0">
-                <a:solidFill>
-                  <a:srgbClr val="000000"/>
-                </a:solidFill>
-                <a:latin typeface="Arial" panose="020B0604020202020204" pitchFamily="34" charset="0"/>
-              </a:rPr>
-              <a:t>Script: </a:t>
-            </a:r>
-            <a:r>
-              <a:rPr lang="en-US" altLang="en-US" dirty="0">
-                <a:solidFill>
-                  <a:srgbClr val="000000"/>
-                </a:solidFill>
-                <a:latin typeface="Arial" panose="020B0604020202020204" pitchFamily="34" charset="0"/>
-              </a:rPr>
-              <a:t>After loading a test case for execution, the user then load the message to be validated into the </a:t>
-            </a:r>
-            <a:r>
-              <a:rPr lang="en-US" altLang="en-US" b="1" dirty="0">
-                <a:solidFill>
-                  <a:srgbClr val="000000"/>
-                </a:solidFill>
-                <a:latin typeface="Arial" panose="020B0604020202020204" pitchFamily="34" charset="0"/>
-              </a:rPr>
-              <a:t>Message Content</a:t>
-            </a:r>
-            <a:r>
-              <a:rPr lang="en-US" altLang="en-US" dirty="0">
-                <a:solidFill>
-                  <a:srgbClr val="000000"/>
-                </a:solidFill>
-                <a:latin typeface="Arial" panose="020B0604020202020204" pitchFamily="34" charset="0"/>
-              </a:rPr>
-              <a:t> panel and click the </a:t>
-            </a:r>
-            <a:r>
-              <a:rPr lang="en-US" altLang="en-US" b="1" dirty="0">
-                <a:solidFill>
-                  <a:srgbClr val="000000"/>
-                </a:solidFill>
-                <a:latin typeface="Arial" panose="020B0604020202020204" pitchFamily="34" charset="0"/>
-              </a:rPr>
-              <a:t> Validate </a:t>
-            </a:r>
-            <a:r>
-              <a:rPr lang="en-US" altLang="en-US" dirty="0">
-                <a:solidFill>
-                  <a:srgbClr val="000000"/>
-                </a:solidFill>
-                <a:latin typeface="Arial" panose="020B0604020202020204" pitchFamily="34" charset="0"/>
-              </a:rPr>
-              <a:t>tab to validate the message or wait for the tool to automatically validate the message. Noticed that the validation response time can be disabled or adjusted from the </a:t>
-            </a:r>
-            <a:r>
-              <a:rPr lang="en-US" altLang="en-US" b="1" dirty="0">
-                <a:solidFill>
-                  <a:srgbClr val="000000"/>
-                </a:solidFill>
-                <a:latin typeface="Arial" panose="020B0604020202020204" pitchFamily="34" charset="0"/>
-              </a:rPr>
-              <a:t>Message Content </a:t>
-            </a:r>
-            <a:r>
-              <a:rPr lang="en-US" altLang="en-US" dirty="0">
-                <a:solidFill>
-                  <a:srgbClr val="000000"/>
-                </a:solidFill>
-                <a:latin typeface="Arial" panose="020B0604020202020204" pitchFamily="34" charset="0"/>
-              </a:rPr>
-              <a:t>panel, the default is 4 seconds. The validation results is generated and displayed in the </a:t>
-            </a:r>
-            <a:r>
-              <a:rPr lang="en-US" altLang="en-US" b="1" dirty="0">
-                <a:solidFill>
-                  <a:srgbClr val="000000"/>
-                </a:solidFill>
-                <a:latin typeface="Arial" panose="020B0604020202020204" pitchFamily="34" charset="0"/>
-              </a:rPr>
-              <a:t>Message Validation Result</a:t>
-            </a:r>
-            <a:r>
-              <a:rPr lang="en-US" altLang="en-US" dirty="0">
-                <a:solidFill>
-                  <a:srgbClr val="000000"/>
-                </a:solidFill>
-                <a:latin typeface="Arial" panose="020B0604020202020204" pitchFamily="34" charset="0"/>
-              </a:rPr>
-              <a:t> panel. To see a detail report of the validation results click the</a:t>
-            </a:r>
-            <a:r>
-              <a:rPr lang="en-US" altLang="en-US" b="1" dirty="0">
-                <a:solidFill>
-                  <a:srgbClr val="000000"/>
-                </a:solidFill>
-                <a:latin typeface="Arial" panose="020B0604020202020204" pitchFamily="34" charset="0"/>
-              </a:rPr>
-              <a:t> Report</a:t>
-            </a:r>
-            <a:r>
-              <a:rPr lang="en-US" altLang="en-US" dirty="0">
-                <a:solidFill>
-                  <a:srgbClr val="000000"/>
-                </a:solidFill>
-                <a:latin typeface="Arial" panose="020B0604020202020204" pitchFamily="34" charset="0"/>
-              </a:rPr>
-              <a:t> button in the </a:t>
-            </a:r>
-            <a:r>
-              <a:rPr lang="en-US" altLang="en-US" b="1" dirty="0">
-                <a:solidFill>
-                  <a:srgbClr val="000000"/>
-                </a:solidFill>
-                <a:latin typeface="Arial" panose="020B0604020202020204" pitchFamily="34" charset="0"/>
-              </a:rPr>
-              <a:t>Message Validation Result </a:t>
-            </a:r>
-            <a:r>
-              <a:rPr lang="en-US" altLang="en-US" dirty="0">
-                <a:solidFill>
-                  <a:srgbClr val="000000"/>
-                </a:solidFill>
-                <a:latin typeface="Arial" panose="020B0604020202020204" pitchFamily="34" charset="0"/>
-              </a:rPr>
-              <a:t>panel.</a:t>
-            </a:r>
-          </a:p>
-          <a:p>
-            <a:pPr>
-              <a:defRPr/>
-            </a:pPr>
-            <a:endParaRPr lang="en-US" altLang="en-US" dirty="0">
-              <a:solidFill>
-                <a:srgbClr val="000000"/>
-              </a:solidFill>
-              <a:latin typeface="Arial" panose="020B0604020202020204" pitchFamily="34" charset="0"/>
-            </a:endParaRPr>
-          </a:p>
-          <a:p>
-            <a:pPr>
-              <a:defRPr/>
-            </a:pPr>
-            <a:r>
-              <a:rPr lang="en-US" altLang="ja-JP" dirty="0"/>
-              <a:t>In this screen the user is also provided access to the test step </a:t>
-            </a:r>
-            <a:r>
-              <a:rPr lang="en-US" altLang="ja-JP" b="1" dirty="0"/>
-              <a:t>Test Data Specification, Message Content and an Example message</a:t>
-            </a:r>
-            <a:r>
-              <a:rPr lang="en-US" altLang="ja-JP" dirty="0"/>
-              <a:t>. </a:t>
-            </a:r>
-          </a:p>
-          <a:p>
-            <a:pPr marL="290463" indent="-290463">
-              <a:buFont typeface="Arial" panose="020B0604020202020204" pitchFamily="34" charset="0"/>
-              <a:buChar char="•"/>
-              <a:defRPr/>
-            </a:pPr>
-            <a:r>
-              <a:rPr lang="en-US" altLang="ja-JP" i="1" dirty="0"/>
-              <a:t>The TDS provides the data associated with the test story and consists of information that is typically available in a clinical setting.  </a:t>
-            </a:r>
-          </a:p>
-          <a:p>
-            <a:pPr marL="290463" indent="-290463">
-              <a:buFont typeface="Arial" panose="020B0604020202020204" pitchFamily="34" charset="0"/>
-              <a:buChar char="•"/>
-              <a:defRPr/>
-            </a:pPr>
-            <a:r>
-              <a:rPr lang="en-US" altLang="en-US" i="1" dirty="0">
-                <a:solidFill>
-                  <a:srgbClr val="000000"/>
-                </a:solidFill>
-              </a:rPr>
-              <a:t>The Message Content is another artifact that shows the HL7 message elements and the data associated with  the message elements for a given test case. It can be used to assist the Tester in loading the SUT with the Test case specific data.</a:t>
-            </a:r>
-          </a:p>
           <a:p>
             <a:pPr>
               <a:defRPr/>
